--- a/light_template.pptx
+++ b/light_template.pptx
@@ -4,17 +4,6 @@
   <p:sldMasterIdLst>
     <p:sldMasterId id="2147483648" r:id="rId1"/>
   </p:sldMasterIdLst>
-  <p:sldIdLst>
-    <p:sldId id="256" r:id="rId2"/>
-    <p:sldId id="257" r:id="rId3"/>
-    <p:sldId id="258" r:id="rId4"/>
-    <p:sldId id="259" r:id="rId5"/>
-    <p:sldId id="260" r:id="rId6"/>
-    <p:sldId id="261" r:id="rId7"/>
-    <p:sldId id="262" r:id="rId8"/>
-    <p:sldId id="263" r:id="rId9"/>
-    <p:sldId id="264" r:id="rId10"/>
-  </p:sldIdLst>
   <p:sldSz cx="12192000" cy="6858000"/>
   <p:notesSz cx="6858000" cy="9144000"/>
   <p:defaultTextStyle>
@@ -112,6 +101,11 @@
       </a:defRPr>
     </a:lvl9pPr>
   </p:defaultTextStyle>
+  <p:extLst>
+    <p:ext uri="{EFAFB233-063F-42B5-8137-9DF3F51BA10A}">
+      <p15:sldGuideLst xmlns:p15="http://schemas.microsoft.com/office/powerpoint/2012/main"/>
+    </p:ext>
+  </p:extLst>
 </p:presentation>
 </file>
 
@@ -3333,794 +3327,6 @@
 </p:sldMaster>
 </file>
 
-<file path=ppt/slides/slide1.xml><?xml version="1.0" encoding="utf-8"?>
-<p:sld xmlns:a="http://schemas.openxmlformats.org/drawingml/2006/main" xmlns:r="http://schemas.openxmlformats.org/officeDocument/2006/relationships" xmlns:p="http://schemas.openxmlformats.org/presentationml/2006/main">
-  <p:cSld>
-    <p:spTree>
-      <p:nvGrpSpPr>
-        <p:cNvPr id="1" name=""/>
-        <p:cNvGrpSpPr/>
-        <p:nvPr/>
-      </p:nvGrpSpPr>
-      <p:grpSpPr>
-        <a:xfrm>
-          <a:off x="0" y="0"/>
-          <a:ext cx="0" cy="0"/>
-          <a:chOff x="0" y="0"/>
-          <a:chExt cx="0" cy="0"/>
-        </a:xfrm>
-      </p:grpSpPr>
-      <p:sp>
-        <p:nvSpPr>
-          <p:cNvPr id="2" name="Title 1">
-            <a:extLst>
-              <a:ext uri="{FF2B5EF4-FFF2-40B4-BE49-F238E27FC236}">
-                <a16:creationId xmlns:a16="http://schemas.microsoft.com/office/drawing/2014/main" id="{332984E4-A961-E150-3CD2-90336B776688}"/>
-              </a:ext>
-            </a:extLst>
-          </p:cNvPr>
-          <p:cNvSpPr>
-            <a:spLocks noGrp="1"/>
-          </p:cNvSpPr>
-          <p:nvPr>
-            <p:ph type="ctrTitle"/>
-          </p:nvPr>
-        </p:nvSpPr>
-        <p:spPr/>
-        <p:txBody>
-          <a:bodyPr/>
-          <a:lstStyle/>
-          <a:p>
-            <a:endParaRPr lang="en-IN"/>
-          </a:p>
-        </p:txBody>
-      </p:sp>
-      <p:sp>
-        <p:nvSpPr>
-          <p:cNvPr id="3" name="Subtitle 2">
-            <a:extLst>
-              <a:ext uri="{FF2B5EF4-FFF2-40B4-BE49-F238E27FC236}">
-                <a16:creationId xmlns:a16="http://schemas.microsoft.com/office/drawing/2014/main" id="{DD86C3DD-26A9-46E1-9DDB-8BCCB1B5E506}"/>
-              </a:ext>
-            </a:extLst>
-          </p:cNvPr>
-          <p:cNvSpPr>
-            <a:spLocks noGrp="1"/>
-          </p:cNvSpPr>
-          <p:nvPr>
-            <p:ph type="subTitle" idx="1"/>
-          </p:nvPr>
-        </p:nvSpPr>
-        <p:spPr/>
-        <p:txBody>
-          <a:bodyPr/>
-          <a:lstStyle/>
-          <a:p>
-            <a:endParaRPr lang="en-IN"/>
-          </a:p>
-        </p:txBody>
-      </p:sp>
-    </p:spTree>
-    <p:extLst>
-      <p:ext uri="{BB962C8B-B14F-4D97-AF65-F5344CB8AC3E}">
-        <p14:creationId xmlns:p14="http://schemas.microsoft.com/office/powerpoint/2010/main" val="3110956912"/>
-      </p:ext>
-    </p:extLst>
-  </p:cSld>
-  <p:clrMapOvr>
-    <a:masterClrMapping/>
-  </p:clrMapOvr>
-</p:sld>
-</file>
-
-<file path=ppt/slides/slide2.xml><?xml version="1.0" encoding="utf-8"?>
-<p:sld xmlns:a="http://schemas.openxmlformats.org/drawingml/2006/main" xmlns:r="http://schemas.openxmlformats.org/officeDocument/2006/relationships" xmlns:p="http://schemas.openxmlformats.org/presentationml/2006/main">
-  <p:cSld>
-    <p:spTree>
-      <p:nvGrpSpPr>
-        <p:cNvPr id="1" name=""/>
-        <p:cNvGrpSpPr/>
-        <p:nvPr/>
-      </p:nvGrpSpPr>
-      <p:grpSpPr>
-        <a:xfrm>
-          <a:off x="0" y="0"/>
-          <a:ext cx="0" cy="0"/>
-          <a:chOff x="0" y="0"/>
-          <a:chExt cx="0" cy="0"/>
-        </a:xfrm>
-      </p:grpSpPr>
-      <p:sp>
-        <p:nvSpPr>
-          <p:cNvPr id="2" name="Title 1">
-            <a:extLst>
-              <a:ext uri="{FF2B5EF4-FFF2-40B4-BE49-F238E27FC236}">
-                <a16:creationId xmlns:a16="http://schemas.microsoft.com/office/drawing/2014/main" id="{C5E07C4F-195E-A1A6-8EBB-C68C485E4717}"/>
-              </a:ext>
-            </a:extLst>
-          </p:cNvPr>
-          <p:cNvSpPr>
-            <a:spLocks noGrp="1"/>
-          </p:cNvSpPr>
-          <p:nvPr>
-            <p:ph type="title"/>
-          </p:nvPr>
-        </p:nvSpPr>
-        <p:spPr/>
-        <p:txBody>
-          <a:bodyPr/>
-          <a:lstStyle/>
-          <a:p>
-            <a:endParaRPr lang="en-IN"/>
-          </a:p>
-        </p:txBody>
-      </p:sp>
-      <p:sp>
-        <p:nvSpPr>
-          <p:cNvPr id="3" name="Content Placeholder 2">
-            <a:extLst>
-              <a:ext uri="{FF2B5EF4-FFF2-40B4-BE49-F238E27FC236}">
-                <a16:creationId xmlns:a16="http://schemas.microsoft.com/office/drawing/2014/main" id="{F9B97DFD-F324-0CAA-E1CC-91B6F26D1604}"/>
-              </a:ext>
-            </a:extLst>
-          </p:cNvPr>
-          <p:cNvSpPr>
-            <a:spLocks noGrp="1"/>
-          </p:cNvSpPr>
-          <p:nvPr>
-            <p:ph idx="1"/>
-          </p:nvPr>
-        </p:nvSpPr>
-        <p:spPr/>
-        <p:txBody>
-          <a:bodyPr/>
-          <a:lstStyle/>
-          <a:p>
-            <a:endParaRPr lang="en-IN"/>
-          </a:p>
-        </p:txBody>
-      </p:sp>
-    </p:spTree>
-    <p:extLst>
-      <p:ext uri="{BB962C8B-B14F-4D97-AF65-F5344CB8AC3E}">
-        <p14:creationId xmlns:p14="http://schemas.microsoft.com/office/powerpoint/2010/main" val="499437392"/>
-      </p:ext>
-    </p:extLst>
-  </p:cSld>
-  <p:clrMapOvr>
-    <a:masterClrMapping/>
-  </p:clrMapOvr>
-</p:sld>
-</file>
-
-<file path=ppt/slides/slide3.xml><?xml version="1.0" encoding="utf-8"?>
-<p:sld xmlns:a="http://schemas.openxmlformats.org/drawingml/2006/main" xmlns:r="http://schemas.openxmlformats.org/officeDocument/2006/relationships" xmlns:p="http://schemas.openxmlformats.org/presentationml/2006/main">
-  <p:cSld>
-    <p:spTree>
-      <p:nvGrpSpPr>
-        <p:cNvPr id="1" name=""/>
-        <p:cNvGrpSpPr/>
-        <p:nvPr/>
-      </p:nvGrpSpPr>
-      <p:grpSpPr>
-        <a:xfrm>
-          <a:off x="0" y="0"/>
-          <a:ext cx="0" cy="0"/>
-          <a:chOff x="0" y="0"/>
-          <a:chExt cx="0" cy="0"/>
-        </a:xfrm>
-      </p:grpSpPr>
-      <p:sp>
-        <p:nvSpPr>
-          <p:cNvPr id="2" name="Title 1">
-            <a:extLst>
-              <a:ext uri="{FF2B5EF4-FFF2-40B4-BE49-F238E27FC236}">
-                <a16:creationId xmlns:a16="http://schemas.microsoft.com/office/drawing/2014/main" id="{7F28745B-92F1-AB45-5163-C35D751EFD8B}"/>
-              </a:ext>
-            </a:extLst>
-          </p:cNvPr>
-          <p:cNvSpPr>
-            <a:spLocks noGrp="1"/>
-          </p:cNvSpPr>
-          <p:nvPr>
-            <p:ph type="title"/>
-          </p:nvPr>
-        </p:nvSpPr>
-        <p:spPr/>
-        <p:txBody>
-          <a:bodyPr/>
-          <a:lstStyle/>
-          <a:p>
-            <a:endParaRPr lang="en-IN"/>
-          </a:p>
-        </p:txBody>
-      </p:sp>
-      <p:sp>
-        <p:nvSpPr>
-          <p:cNvPr id="3" name="Text Placeholder 2">
-            <a:extLst>
-              <a:ext uri="{FF2B5EF4-FFF2-40B4-BE49-F238E27FC236}">
-                <a16:creationId xmlns:a16="http://schemas.microsoft.com/office/drawing/2014/main" id="{9B04C96A-679C-8229-37E1-BD023E05E80F}"/>
-              </a:ext>
-            </a:extLst>
-          </p:cNvPr>
-          <p:cNvSpPr>
-            <a:spLocks noGrp="1"/>
-          </p:cNvSpPr>
-          <p:nvPr>
-            <p:ph type="body" idx="1"/>
-          </p:nvPr>
-        </p:nvSpPr>
-        <p:spPr/>
-        <p:txBody>
-          <a:bodyPr/>
-          <a:lstStyle/>
-          <a:p>
-            <a:endParaRPr lang="en-IN"/>
-          </a:p>
-        </p:txBody>
-      </p:sp>
-    </p:spTree>
-    <p:extLst>
-      <p:ext uri="{BB962C8B-B14F-4D97-AF65-F5344CB8AC3E}">
-        <p14:creationId xmlns:p14="http://schemas.microsoft.com/office/powerpoint/2010/main" val="1372660501"/>
-      </p:ext>
-    </p:extLst>
-  </p:cSld>
-  <p:clrMapOvr>
-    <a:masterClrMapping/>
-  </p:clrMapOvr>
-</p:sld>
-</file>
-
-<file path=ppt/slides/slide4.xml><?xml version="1.0" encoding="utf-8"?>
-<p:sld xmlns:a="http://schemas.openxmlformats.org/drawingml/2006/main" xmlns:r="http://schemas.openxmlformats.org/officeDocument/2006/relationships" xmlns:p="http://schemas.openxmlformats.org/presentationml/2006/main">
-  <p:cSld>
-    <p:spTree>
-      <p:nvGrpSpPr>
-        <p:cNvPr id="1" name=""/>
-        <p:cNvGrpSpPr/>
-        <p:nvPr/>
-      </p:nvGrpSpPr>
-      <p:grpSpPr>
-        <a:xfrm>
-          <a:off x="0" y="0"/>
-          <a:ext cx="0" cy="0"/>
-          <a:chOff x="0" y="0"/>
-          <a:chExt cx="0" cy="0"/>
-        </a:xfrm>
-      </p:grpSpPr>
-      <p:sp>
-        <p:nvSpPr>
-          <p:cNvPr id="2" name="Title 1">
-            <a:extLst>
-              <a:ext uri="{FF2B5EF4-FFF2-40B4-BE49-F238E27FC236}">
-                <a16:creationId xmlns:a16="http://schemas.microsoft.com/office/drawing/2014/main" id="{1986EC3B-4704-A3B4-FF60-22DE611B4AE9}"/>
-              </a:ext>
-            </a:extLst>
-          </p:cNvPr>
-          <p:cNvSpPr>
-            <a:spLocks noGrp="1"/>
-          </p:cNvSpPr>
-          <p:nvPr>
-            <p:ph type="title"/>
-          </p:nvPr>
-        </p:nvSpPr>
-        <p:spPr/>
-        <p:txBody>
-          <a:bodyPr/>
-          <a:lstStyle/>
-          <a:p>
-            <a:endParaRPr lang="en-IN"/>
-          </a:p>
-        </p:txBody>
-      </p:sp>
-      <p:sp>
-        <p:nvSpPr>
-          <p:cNvPr id="3" name="Content Placeholder 2">
-            <a:extLst>
-              <a:ext uri="{FF2B5EF4-FFF2-40B4-BE49-F238E27FC236}">
-                <a16:creationId xmlns:a16="http://schemas.microsoft.com/office/drawing/2014/main" id="{97045817-AADC-3E4A-E225-9A4107893516}"/>
-              </a:ext>
-            </a:extLst>
-          </p:cNvPr>
-          <p:cNvSpPr>
-            <a:spLocks noGrp="1"/>
-          </p:cNvSpPr>
-          <p:nvPr>
-            <p:ph sz="half" idx="1"/>
-          </p:nvPr>
-        </p:nvSpPr>
-        <p:spPr/>
-        <p:txBody>
-          <a:bodyPr/>
-          <a:lstStyle/>
-          <a:p>
-            <a:endParaRPr lang="en-IN"/>
-          </a:p>
-        </p:txBody>
-      </p:sp>
-      <p:sp>
-        <p:nvSpPr>
-          <p:cNvPr id="4" name="Content Placeholder 3">
-            <a:extLst>
-              <a:ext uri="{FF2B5EF4-FFF2-40B4-BE49-F238E27FC236}">
-                <a16:creationId xmlns:a16="http://schemas.microsoft.com/office/drawing/2014/main" id="{BB1E719B-103D-125F-B037-BAB803B203C4}"/>
-              </a:ext>
-            </a:extLst>
-          </p:cNvPr>
-          <p:cNvSpPr>
-            <a:spLocks noGrp="1"/>
-          </p:cNvSpPr>
-          <p:nvPr>
-            <p:ph sz="half" idx="2"/>
-          </p:nvPr>
-        </p:nvSpPr>
-        <p:spPr/>
-        <p:txBody>
-          <a:bodyPr/>
-          <a:lstStyle/>
-          <a:p>
-            <a:endParaRPr lang="en-IN"/>
-          </a:p>
-        </p:txBody>
-      </p:sp>
-    </p:spTree>
-    <p:extLst>
-      <p:ext uri="{BB962C8B-B14F-4D97-AF65-F5344CB8AC3E}">
-        <p14:creationId xmlns:p14="http://schemas.microsoft.com/office/powerpoint/2010/main" val="303281981"/>
-      </p:ext>
-    </p:extLst>
-  </p:cSld>
-  <p:clrMapOvr>
-    <a:masterClrMapping/>
-  </p:clrMapOvr>
-</p:sld>
-</file>
-
-<file path=ppt/slides/slide5.xml><?xml version="1.0" encoding="utf-8"?>
-<p:sld xmlns:a="http://schemas.openxmlformats.org/drawingml/2006/main" xmlns:r="http://schemas.openxmlformats.org/officeDocument/2006/relationships" xmlns:p="http://schemas.openxmlformats.org/presentationml/2006/main">
-  <p:cSld>
-    <p:spTree>
-      <p:nvGrpSpPr>
-        <p:cNvPr id="1" name=""/>
-        <p:cNvGrpSpPr/>
-        <p:nvPr/>
-      </p:nvGrpSpPr>
-      <p:grpSpPr>
-        <a:xfrm>
-          <a:off x="0" y="0"/>
-          <a:ext cx="0" cy="0"/>
-          <a:chOff x="0" y="0"/>
-          <a:chExt cx="0" cy="0"/>
-        </a:xfrm>
-      </p:grpSpPr>
-      <p:sp>
-        <p:nvSpPr>
-          <p:cNvPr id="2" name="Title 1">
-            <a:extLst>
-              <a:ext uri="{FF2B5EF4-FFF2-40B4-BE49-F238E27FC236}">
-                <a16:creationId xmlns:a16="http://schemas.microsoft.com/office/drawing/2014/main" id="{D0F88B86-FE64-A72F-D81F-45DBD07ED88D}"/>
-              </a:ext>
-            </a:extLst>
-          </p:cNvPr>
-          <p:cNvSpPr>
-            <a:spLocks noGrp="1"/>
-          </p:cNvSpPr>
-          <p:nvPr>
-            <p:ph type="title"/>
-          </p:nvPr>
-        </p:nvSpPr>
-        <p:spPr/>
-        <p:txBody>
-          <a:bodyPr/>
-          <a:lstStyle/>
-          <a:p>
-            <a:endParaRPr lang="en-IN"/>
-          </a:p>
-        </p:txBody>
-      </p:sp>
-      <p:sp>
-        <p:nvSpPr>
-          <p:cNvPr id="3" name="Text Placeholder 2">
-            <a:extLst>
-              <a:ext uri="{FF2B5EF4-FFF2-40B4-BE49-F238E27FC236}">
-                <a16:creationId xmlns:a16="http://schemas.microsoft.com/office/drawing/2014/main" id="{53241A7C-F9FE-0292-23D7-994FE7E3D9C5}"/>
-              </a:ext>
-            </a:extLst>
-          </p:cNvPr>
-          <p:cNvSpPr>
-            <a:spLocks noGrp="1"/>
-          </p:cNvSpPr>
-          <p:nvPr>
-            <p:ph type="body" idx="1"/>
-          </p:nvPr>
-        </p:nvSpPr>
-        <p:spPr/>
-        <p:txBody>
-          <a:bodyPr/>
-          <a:lstStyle/>
-          <a:p>
-            <a:endParaRPr lang="en-IN"/>
-          </a:p>
-        </p:txBody>
-      </p:sp>
-      <p:sp>
-        <p:nvSpPr>
-          <p:cNvPr id="4" name="Content Placeholder 3">
-            <a:extLst>
-              <a:ext uri="{FF2B5EF4-FFF2-40B4-BE49-F238E27FC236}">
-                <a16:creationId xmlns:a16="http://schemas.microsoft.com/office/drawing/2014/main" id="{C32D9002-B9A0-B3CA-1F4B-BF71FA18E148}"/>
-              </a:ext>
-            </a:extLst>
-          </p:cNvPr>
-          <p:cNvSpPr>
-            <a:spLocks noGrp="1"/>
-          </p:cNvSpPr>
-          <p:nvPr>
-            <p:ph sz="half" idx="2"/>
-          </p:nvPr>
-        </p:nvSpPr>
-        <p:spPr/>
-        <p:txBody>
-          <a:bodyPr/>
-          <a:lstStyle/>
-          <a:p>
-            <a:endParaRPr lang="en-IN"/>
-          </a:p>
-        </p:txBody>
-      </p:sp>
-      <p:sp>
-        <p:nvSpPr>
-          <p:cNvPr id="5" name="Text Placeholder 4">
-            <a:extLst>
-              <a:ext uri="{FF2B5EF4-FFF2-40B4-BE49-F238E27FC236}">
-                <a16:creationId xmlns:a16="http://schemas.microsoft.com/office/drawing/2014/main" id="{2A1134BE-D961-7F58-B8B6-49BA1BB56821}"/>
-              </a:ext>
-            </a:extLst>
-          </p:cNvPr>
-          <p:cNvSpPr>
-            <a:spLocks noGrp="1"/>
-          </p:cNvSpPr>
-          <p:nvPr>
-            <p:ph type="body" sz="quarter" idx="3"/>
-          </p:nvPr>
-        </p:nvSpPr>
-        <p:spPr/>
-        <p:txBody>
-          <a:bodyPr/>
-          <a:lstStyle/>
-          <a:p>
-            <a:endParaRPr lang="en-IN"/>
-          </a:p>
-        </p:txBody>
-      </p:sp>
-      <p:sp>
-        <p:nvSpPr>
-          <p:cNvPr id="6" name="Content Placeholder 5">
-            <a:extLst>
-              <a:ext uri="{FF2B5EF4-FFF2-40B4-BE49-F238E27FC236}">
-                <a16:creationId xmlns:a16="http://schemas.microsoft.com/office/drawing/2014/main" id="{582C859D-C8E6-B2D7-9E4B-52AD392D2965}"/>
-              </a:ext>
-            </a:extLst>
-          </p:cNvPr>
-          <p:cNvSpPr>
-            <a:spLocks noGrp="1"/>
-          </p:cNvSpPr>
-          <p:nvPr>
-            <p:ph sz="quarter" idx="4"/>
-          </p:nvPr>
-        </p:nvSpPr>
-        <p:spPr/>
-        <p:txBody>
-          <a:bodyPr/>
-          <a:lstStyle/>
-          <a:p>
-            <a:endParaRPr lang="en-IN"/>
-          </a:p>
-        </p:txBody>
-      </p:sp>
-    </p:spTree>
-    <p:extLst>
-      <p:ext uri="{BB962C8B-B14F-4D97-AF65-F5344CB8AC3E}">
-        <p14:creationId xmlns:p14="http://schemas.microsoft.com/office/powerpoint/2010/main" val="269154104"/>
-      </p:ext>
-    </p:extLst>
-  </p:cSld>
-  <p:clrMapOvr>
-    <a:masterClrMapping/>
-  </p:clrMapOvr>
-</p:sld>
-</file>
-
-<file path=ppt/slides/slide6.xml><?xml version="1.0" encoding="utf-8"?>
-<p:sld xmlns:a="http://schemas.openxmlformats.org/drawingml/2006/main" xmlns:r="http://schemas.openxmlformats.org/officeDocument/2006/relationships" xmlns:p="http://schemas.openxmlformats.org/presentationml/2006/main">
-  <p:cSld>
-    <p:spTree>
-      <p:nvGrpSpPr>
-        <p:cNvPr id="1" name=""/>
-        <p:cNvGrpSpPr/>
-        <p:nvPr/>
-      </p:nvGrpSpPr>
-      <p:grpSpPr>
-        <a:xfrm>
-          <a:off x="0" y="0"/>
-          <a:ext cx="0" cy="0"/>
-          <a:chOff x="0" y="0"/>
-          <a:chExt cx="0" cy="0"/>
-        </a:xfrm>
-      </p:grpSpPr>
-      <p:sp>
-        <p:nvSpPr>
-          <p:cNvPr id="2" name="Title 1">
-            <a:extLst>
-              <a:ext uri="{FF2B5EF4-FFF2-40B4-BE49-F238E27FC236}">
-                <a16:creationId xmlns:a16="http://schemas.microsoft.com/office/drawing/2014/main" id="{61DA983D-21B2-9C8F-C652-D030FFEAF7C3}"/>
-              </a:ext>
-            </a:extLst>
-          </p:cNvPr>
-          <p:cNvSpPr>
-            <a:spLocks noGrp="1"/>
-          </p:cNvSpPr>
-          <p:nvPr>
-            <p:ph type="title"/>
-          </p:nvPr>
-        </p:nvSpPr>
-        <p:spPr/>
-        <p:txBody>
-          <a:bodyPr/>
-          <a:lstStyle/>
-          <a:p>
-            <a:endParaRPr lang="en-IN"/>
-          </a:p>
-        </p:txBody>
-      </p:sp>
-    </p:spTree>
-    <p:extLst>
-      <p:ext uri="{BB962C8B-B14F-4D97-AF65-F5344CB8AC3E}">
-        <p14:creationId xmlns:p14="http://schemas.microsoft.com/office/powerpoint/2010/main" val="1216803864"/>
-      </p:ext>
-    </p:extLst>
-  </p:cSld>
-  <p:clrMapOvr>
-    <a:masterClrMapping/>
-  </p:clrMapOvr>
-</p:sld>
-</file>
-
-<file path=ppt/slides/slide7.xml><?xml version="1.0" encoding="utf-8"?>
-<p:sld xmlns:a="http://schemas.openxmlformats.org/drawingml/2006/main" xmlns:r="http://schemas.openxmlformats.org/officeDocument/2006/relationships" xmlns:p="http://schemas.openxmlformats.org/presentationml/2006/main">
-  <p:cSld>
-    <p:spTree>
-      <p:nvGrpSpPr>
-        <p:cNvPr id="1" name=""/>
-        <p:cNvGrpSpPr/>
-        <p:nvPr/>
-      </p:nvGrpSpPr>
-      <p:grpSpPr>
-        <a:xfrm>
-          <a:off x="0" y="0"/>
-          <a:ext cx="0" cy="0"/>
-          <a:chOff x="0" y="0"/>
-          <a:chExt cx="0" cy="0"/>
-        </a:xfrm>
-      </p:grpSpPr>
-    </p:spTree>
-    <p:extLst>
-      <p:ext uri="{BB962C8B-B14F-4D97-AF65-F5344CB8AC3E}">
-        <p14:creationId xmlns:p14="http://schemas.microsoft.com/office/powerpoint/2010/main" val="216331813"/>
-      </p:ext>
-    </p:extLst>
-  </p:cSld>
-  <p:clrMapOvr>
-    <a:masterClrMapping/>
-  </p:clrMapOvr>
-</p:sld>
-</file>
-
-<file path=ppt/slides/slide8.xml><?xml version="1.0" encoding="utf-8"?>
-<p:sld xmlns:a="http://schemas.openxmlformats.org/drawingml/2006/main" xmlns:r="http://schemas.openxmlformats.org/officeDocument/2006/relationships" xmlns:p="http://schemas.openxmlformats.org/presentationml/2006/main">
-  <p:cSld>
-    <p:spTree>
-      <p:nvGrpSpPr>
-        <p:cNvPr id="1" name=""/>
-        <p:cNvGrpSpPr/>
-        <p:nvPr/>
-      </p:nvGrpSpPr>
-      <p:grpSpPr>
-        <a:xfrm>
-          <a:off x="0" y="0"/>
-          <a:ext cx="0" cy="0"/>
-          <a:chOff x="0" y="0"/>
-          <a:chExt cx="0" cy="0"/>
-        </a:xfrm>
-      </p:grpSpPr>
-      <p:sp>
-        <p:nvSpPr>
-          <p:cNvPr id="2" name="Title 1">
-            <a:extLst>
-              <a:ext uri="{FF2B5EF4-FFF2-40B4-BE49-F238E27FC236}">
-                <a16:creationId xmlns:a16="http://schemas.microsoft.com/office/drawing/2014/main" id="{68187FF2-8F66-FBBD-6A91-02769128496F}"/>
-              </a:ext>
-            </a:extLst>
-          </p:cNvPr>
-          <p:cNvSpPr>
-            <a:spLocks noGrp="1"/>
-          </p:cNvSpPr>
-          <p:nvPr>
-            <p:ph type="title"/>
-          </p:nvPr>
-        </p:nvSpPr>
-        <p:spPr/>
-        <p:txBody>
-          <a:bodyPr/>
-          <a:lstStyle/>
-          <a:p>
-            <a:endParaRPr lang="en-IN"/>
-          </a:p>
-        </p:txBody>
-      </p:sp>
-      <p:sp>
-        <p:nvSpPr>
-          <p:cNvPr id="3" name="Content Placeholder 2">
-            <a:extLst>
-              <a:ext uri="{FF2B5EF4-FFF2-40B4-BE49-F238E27FC236}">
-                <a16:creationId xmlns:a16="http://schemas.microsoft.com/office/drawing/2014/main" id="{15D62A09-DCEC-DF7D-00F3-5F8A1429A1BD}"/>
-              </a:ext>
-            </a:extLst>
-          </p:cNvPr>
-          <p:cNvSpPr>
-            <a:spLocks noGrp="1"/>
-          </p:cNvSpPr>
-          <p:nvPr>
-            <p:ph idx="1"/>
-          </p:nvPr>
-        </p:nvSpPr>
-        <p:spPr/>
-        <p:txBody>
-          <a:bodyPr/>
-          <a:lstStyle/>
-          <a:p>
-            <a:endParaRPr lang="en-IN"/>
-          </a:p>
-        </p:txBody>
-      </p:sp>
-      <p:sp>
-        <p:nvSpPr>
-          <p:cNvPr id="4" name="Text Placeholder 3">
-            <a:extLst>
-              <a:ext uri="{FF2B5EF4-FFF2-40B4-BE49-F238E27FC236}">
-                <a16:creationId xmlns:a16="http://schemas.microsoft.com/office/drawing/2014/main" id="{E58FB014-6ED7-7141-5992-BFF80FD32654}"/>
-              </a:ext>
-            </a:extLst>
-          </p:cNvPr>
-          <p:cNvSpPr>
-            <a:spLocks noGrp="1"/>
-          </p:cNvSpPr>
-          <p:nvPr>
-            <p:ph type="body" sz="half" idx="2"/>
-          </p:nvPr>
-        </p:nvSpPr>
-        <p:spPr/>
-        <p:txBody>
-          <a:bodyPr/>
-          <a:lstStyle/>
-          <a:p>
-            <a:endParaRPr lang="en-IN"/>
-          </a:p>
-        </p:txBody>
-      </p:sp>
-    </p:spTree>
-    <p:extLst>
-      <p:ext uri="{BB962C8B-B14F-4D97-AF65-F5344CB8AC3E}">
-        <p14:creationId xmlns:p14="http://schemas.microsoft.com/office/powerpoint/2010/main" val="1817812288"/>
-      </p:ext>
-    </p:extLst>
-  </p:cSld>
-  <p:clrMapOvr>
-    <a:masterClrMapping/>
-  </p:clrMapOvr>
-</p:sld>
-</file>
-
-<file path=ppt/slides/slide9.xml><?xml version="1.0" encoding="utf-8"?>
-<p:sld xmlns:a="http://schemas.openxmlformats.org/drawingml/2006/main" xmlns:r="http://schemas.openxmlformats.org/officeDocument/2006/relationships" xmlns:p="http://schemas.openxmlformats.org/presentationml/2006/main">
-  <p:cSld>
-    <p:spTree>
-      <p:nvGrpSpPr>
-        <p:cNvPr id="1" name=""/>
-        <p:cNvGrpSpPr/>
-        <p:nvPr/>
-      </p:nvGrpSpPr>
-      <p:grpSpPr>
-        <a:xfrm>
-          <a:off x="0" y="0"/>
-          <a:ext cx="0" cy="0"/>
-          <a:chOff x="0" y="0"/>
-          <a:chExt cx="0" cy="0"/>
-        </a:xfrm>
-      </p:grpSpPr>
-      <p:sp>
-        <p:nvSpPr>
-          <p:cNvPr id="2" name="Title 1">
-            <a:extLst>
-              <a:ext uri="{FF2B5EF4-FFF2-40B4-BE49-F238E27FC236}">
-                <a16:creationId xmlns:a16="http://schemas.microsoft.com/office/drawing/2014/main" id="{51A17822-6363-6342-6488-BAB2E40601E5}"/>
-              </a:ext>
-            </a:extLst>
-          </p:cNvPr>
-          <p:cNvSpPr>
-            <a:spLocks noGrp="1"/>
-          </p:cNvSpPr>
-          <p:nvPr>
-            <p:ph type="title"/>
-          </p:nvPr>
-        </p:nvSpPr>
-        <p:spPr/>
-        <p:txBody>
-          <a:bodyPr/>
-          <a:lstStyle/>
-          <a:p>
-            <a:endParaRPr lang="en-IN"/>
-          </a:p>
-        </p:txBody>
-      </p:sp>
-      <p:sp>
-        <p:nvSpPr>
-          <p:cNvPr id="3" name="Picture Placeholder 2">
-            <a:extLst>
-              <a:ext uri="{FF2B5EF4-FFF2-40B4-BE49-F238E27FC236}">
-                <a16:creationId xmlns:a16="http://schemas.microsoft.com/office/drawing/2014/main" id="{87781774-C8C1-C1D2-6278-F8509F8A5E9C}"/>
-              </a:ext>
-            </a:extLst>
-          </p:cNvPr>
-          <p:cNvSpPr>
-            <a:spLocks noGrp="1"/>
-          </p:cNvSpPr>
-          <p:nvPr>
-            <p:ph type="pic" idx="1"/>
-          </p:nvPr>
-        </p:nvSpPr>
-        <p:spPr/>
-      </p:sp>
-      <p:sp>
-        <p:nvSpPr>
-          <p:cNvPr id="4" name="Text Placeholder 3">
-            <a:extLst>
-              <a:ext uri="{FF2B5EF4-FFF2-40B4-BE49-F238E27FC236}">
-                <a16:creationId xmlns:a16="http://schemas.microsoft.com/office/drawing/2014/main" id="{E4923AEA-3065-08D7-FA05-AEFA1969758B}"/>
-              </a:ext>
-            </a:extLst>
-          </p:cNvPr>
-          <p:cNvSpPr>
-            <a:spLocks noGrp="1"/>
-          </p:cNvSpPr>
-          <p:nvPr>
-            <p:ph type="body" sz="half" idx="2"/>
-          </p:nvPr>
-        </p:nvSpPr>
-        <p:spPr/>
-        <p:txBody>
-          <a:bodyPr/>
-          <a:lstStyle/>
-          <a:p>
-            <a:endParaRPr lang="en-IN"/>
-          </a:p>
-        </p:txBody>
-      </p:sp>
-    </p:spTree>
-    <p:extLst>
-      <p:ext uri="{BB962C8B-B14F-4D97-AF65-F5344CB8AC3E}">
-        <p14:creationId xmlns:p14="http://schemas.microsoft.com/office/powerpoint/2010/main" val="130778073"/>
-      </p:ext>
-    </p:extLst>
-  </p:cSld>
-  <p:clrMapOvr>
-    <a:masterClrMapping/>
-  </p:clrMapOvr>
-</p:sld>
-</file>
-
 <file path=ppt/theme/theme1.xml><?xml version="1.0" encoding="utf-8"?>
 <a:theme xmlns:a="http://schemas.openxmlformats.org/drawingml/2006/main" name="Office Theme">
   <a:themeElements>

--- a/light_template.pptx
+++ b/light_template.pptx
@@ -4,6 +4,9 @@
   <p:sldMasterIdLst>
     <p:sldMasterId id="2147483648" r:id="rId1"/>
   </p:sldMasterIdLst>
+  <p:sldIdLst>
+    <p:sldId id="256" r:id="rId2"/>
+  </p:sldIdLst>
   <p:sldSz cx="12192000" cy="6858000"/>
   <p:notesSz cx="6858000" cy="9144000"/>
   <p:defaultTextStyle>
@@ -131,7 +134,7 @@
           <p:cNvPr id="2" name="Title 1">
             <a:extLst>
               <a:ext uri="{FF2B5EF4-FFF2-40B4-BE49-F238E27FC236}">
-                <a16:creationId xmlns:a16="http://schemas.microsoft.com/office/drawing/2014/main" id="{8F9C39EF-2DB9-7C89-0625-B469092BCD45}"/>
+                <a16:creationId xmlns:a16="http://schemas.microsoft.com/office/drawing/2014/main" id="{6E2EA6CB-1B85-5691-CE8B-AB2B3E5B18E8}"/>
               </a:ext>
             </a:extLst>
           </p:cNvPr>
@@ -169,7 +172,7 @@
           <p:cNvPr id="3" name="Subtitle 2">
             <a:extLst>
               <a:ext uri="{FF2B5EF4-FFF2-40B4-BE49-F238E27FC236}">
-                <a16:creationId xmlns:a16="http://schemas.microsoft.com/office/drawing/2014/main" id="{A89A50AE-FE62-737F-F63F-6D1361796503}"/>
+                <a16:creationId xmlns:a16="http://schemas.microsoft.com/office/drawing/2014/main" id="{34791F1C-4DBA-4759-053C-F348B52A312B}"/>
               </a:ext>
             </a:extLst>
           </p:cNvPr>
@@ -240,7 +243,7 @@
           <p:cNvPr id="4" name="Date Placeholder 3">
             <a:extLst>
               <a:ext uri="{FF2B5EF4-FFF2-40B4-BE49-F238E27FC236}">
-                <a16:creationId xmlns:a16="http://schemas.microsoft.com/office/drawing/2014/main" id="{5CC3013D-AD14-090B-288D-61206FD3CA4D}"/>
+                <a16:creationId xmlns:a16="http://schemas.microsoft.com/office/drawing/2014/main" id="{A2E78408-B7F5-0836-717C-C0F24843B82D}"/>
               </a:ext>
             </a:extLst>
           </p:cNvPr>
@@ -256,7 +259,7 @@
           <a:bodyPr/>
           <a:lstStyle/>
           <a:p>
-            <a:fld id="{1E118A51-EE89-48AC-8F6F-489F47810366}" type="datetimeFigureOut">
+            <a:fld id="{8EE5A4CA-B9F3-4D89-87D4-B72A81B20F9F}" type="datetimeFigureOut">
               <a:rPr lang="en-IN" smtClean="0"/>
               <a:t>15-02-2026</a:t>
             </a:fld>
@@ -269,7 +272,7 @@
           <p:cNvPr id="5" name="Footer Placeholder 4">
             <a:extLst>
               <a:ext uri="{FF2B5EF4-FFF2-40B4-BE49-F238E27FC236}">
-                <a16:creationId xmlns:a16="http://schemas.microsoft.com/office/drawing/2014/main" id="{59AEC002-565A-7D94-B883-FE7C5AC9B3A7}"/>
+                <a16:creationId xmlns:a16="http://schemas.microsoft.com/office/drawing/2014/main" id="{006C4DA8-D162-62BA-A9CF-AE48D4440D7A}"/>
               </a:ext>
             </a:extLst>
           </p:cNvPr>
@@ -294,7 +297,7 @@
           <p:cNvPr id="6" name="Slide Number Placeholder 5">
             <a:extLst>
               <a:ext uri="{FF2B5EF4-FFF2-40B4-BE49-F238E27FC236}">
-                <a16:creationId xmlns:a16="http://schemas.microsoft.com/office/drawing/2014/main" id="{64590F07-A1A0-87B7-96BC-0A31541E68CF}"/>
+                <a16:creationId xmlns:a16="http://schemas.microsoft.com/office/drawing/2014/main" id="{7C3AB43A-A2C8-4798-6EF6-B00E244410B5}"/>
               </a:ext>
             </a:extLst>
           </p:cNvPr>
@@ -310,7 +313,7 @@
           <a:bodyPr/>
           <a:lstStyle/>
           <a:p>
-            <a:fld id="{E8A1261C-6C67-4BBA-9A7E-11C1D1AF3426}" type="slidenum">
+            <a:fld id="{E5B29050-0639-4394-823C-6C6B23EFD60F}" type="slidenum">
               <a:rPr lang="en-IN" smtClean="0"/>
               <a:t>‹#›</a:t>
             </a:fld>
@@ -321,7 +324,7 @@
     </p:spTree>
     <p:extLst>
       <p:ext uri="{BB962C8B-B14F-4D97-AF65-F5344CB8AC3E}">
-        <p14:creationId xmlns:p14="http://schemas.microsoft.com/office/powerpoint/2010/main" val="3661118110"/>
+        <p14:creationId xmlns:p14="http://schemas.microsoft.com/office/powerpoint/2010/main" val="1366175715"/>
       </p:ext>
     </p:extLst>
   </p:cSld>
@@ -353,7 +356,7 @@
           <p:cNvPr id="2" name="Title 1">
             <a:extLst>
               <a:ext uri="{FF2B5EF4-FFF2-40B4-BE49-F238E27FC236}">
-                <a16:creationId xmlns:a16="http://schemas.microsoft.com/office/drawing/2014/main" id="{DA628EBA-3ACE-5A7F-1348-1B68747BBC48}"/>
+                <a16:creationId xmlns:a16="http://schemas.microsoft.com/office/drawing/2014/main" id="{5740D926-E3D6-FA7D-112A-F93696249A1A}"/>
               </a:ext>
             </a:extLst>
           </p:cNvPr>
@@ -382,7 +385,7 @@
           <p:cNvPr id="3" name="Vertical Text Placeholder 2">
             <a:extLst>
               <a:ext uri="{FF2B5EF4-FFF2-40B4-BE49-F238E27FC236}">
-                <a16:creationId xmlns:a16="http://schemas.microsoft.com/office/drawing/2014/main" id="{395BDA37-8E4F-24EC-88B2-4F89205810E1}"/>
+                <a16:creationId xmlns:a16="http://schemas.microsoft.com/office/drawing/2014/main" id="{694C0867-3316-6BF1-6AFD-0E029F1DED96}"/>
               </a:ext>
             </a:extLst>
           </p:cNvPr>
@@ -440,7 +443,7 @@
           <p:cNvPr id="4" name="Date Placeholder 3">
             <a:extLst>
               <a:ext uri="{FF2B5EF4-FFF2-40B4-BE49-F238E27FC236}">
-                <a16:creationId xmlns:a16="http://schemas.microsoft.com/office/drawing/2014/main" id="{C3409E0B-AFFF-2B17-5BF0-81F7F7044F61}"/>
+                <a16:creationId xmlns:a16="http://schemas.microsoft.com/office/drawing/2014/main" id="{24A61B6E-D2E3-083E-D6F3-07986539B558}"/>
               </a:ext>
             </a:extLst>
           </p:cNvPr>
@@ -456,7 +459,7 @@
           <a:bodyPr/>
           <a:lstStyle/>
           <a:p>
-            <a:fld id="{1E118A51-EE89-48AC-8F6F-489F47810366}" type="datetimeFigureOut">
+            <a:fld id="{8EE5A4CA-B9F3-4D89-87D4-B72A81B20F9F}" type="datetimeFigureOut">
               <a:rPr lang="en-IN" smtClean="0"/>
               <a:t>15-02-2026</a:t>
             </a:fld>
@@ -469,7 +472,7 @@
           <p:cNvPr id="5" name="Footer Placeholder 4">
             <a:extLst>
               <a:ext uri="{FF2B5EF4-FFF2-40B4-BE49-F238E27FC236}">
-                <a16:creationId xmlns:a16="http://schemas.microsoft.com/office/drawing/2014/main" id="{431AFA50-823F-2052-6B29-566FB2D849C2}"/>
+                <a16:creationId xmlns:a16="http://schemas.microsoft.com/office/drawing/2014/main" id="{27D7B230-38BE-9B3D-89B1-E8B89A325EB9}"/>
               </a:ext>
             </a:extLst>
           </p:cNvPr>
@@ -494,7 +497,7 @@
           <p:cNvPr id="6" name="Slide Number Placeholder 5">
             <a:extLst>
               <a:ext uri="{FF2B5EF4-FFF2-40B4-BE49-F238E27FC236}">
-                <a16:creationId xmlns:a16="http://schemas.microsoft.com/office/drawing/2014/main" id="{F51829E0-3C00-9128-DB28-8C73727C0C46}"/>
+                <a16:creationId xmlns:a16="http://schemas.microsoft.com/office/drawing/2014/main" id="{24858EC0-C832-FE60-3034-FFA5C9FA4A6D}"/>
               </a:ext>
             </a:extLst>
           </p:cNvPr>
@@ -510,7 +513,7 @@
           <a:bodyPr/>
           <a:lstStyle/>
           <a:p>
-            <a:fld id="{E8A1261C-6C67-4BBA-9A7E-11C1D1AF3426}" type="slidenum">
+            <a:fld id="{E5B29050-0639-4394-823C-6C6B23EFD60F}" type="slidenum">
               <a:rPr lang="en-IN" smtClean="0"/>
               <a:t>‹#›</a:t>
             </a:fld>
@@ -521,7 +524,7 @@
     </p:spTree>
     <p:extLst>
       <p:ext uri="{BB962C8B-B14F-4D97-AF65-F5344CB8AC3E}">
-        <p14:creationId xmlns:p14="http://schemas.microsoft.com/office/powerpoint/2010/main" val="4035077347"/>
+        <p14:creationId xmlns:p14="http://schemas.microsoft.com/office/powerpoint/2010/main" val="695362793"/>
       </p:ext>
     </p:extLst>
   </p:cSld>
@@ -553,7 +556,7 @@
           <p:cNvPr id="2" name="Vertical Title 1">
             <a:extLst>
               <a:ext uri="{FF2B5EF4-FFF2-40B4-BE49-F238E27FC236}">
-                <a16:creationId xmlns:a16="http://schemas.microsoft.com/office/drawing/2014/main" id="{A714F95E-E727-43BF-CF02-D45047484E53}"/>
+                <a16:creationId xmlns:a16="http://schemas.microsoft.com/office/drawing/2014/main" id="{69F0E4AD-674D-E064-F642-C59BE28B23AF}"/>
               </a:ext>
             </a:extLst>
           </p:cNvPr>
@@ -587,7 +590,7 @@
           <p:cNvPr id="3" name="Vertical Text Placeholder 2">
             <a:extLst>
               <a:ext uri="{FF2B5EF4-FFF2-40B4-BE49-F238E27FC236}">
-                <a16:creationId xmlns:a16="http://schemas.microsoft.com/office/drawing/2014/main" id="{2DED77D1-86F3-CF3C-92D1-62E284D616FC}"/>
+                <a16:creationId xmlns:a16="http://schemas.microsoft.com/office/drawing/2014/main" id="{EA22672C-C317-672E-9E4B-4C6639ABAFA8}"/>
               </a:ext>
             </a:extLst>
           </p:cNvPr>
@@ -650,7 +653,7 @@
           <p:cNvPr id="4" name="Date Placeholder 3">
             <a:extLst>
               <a:ext uri="{FF2B5EF4-FFF2-40B4-BE49-F238E27FC236}">
-                <a16:creationId xmlns:a16="http://schemas.microsoft.com/office/drawing/2014/main" id="{452EFADD-25BE-04E9-56B2-7575DE538704}"/>
+                <a16:creationId xmlns:a16="http://schemas.microsoft.com/office/drawing/2014/main" id="{E13618F7-A131-4931-DBA8-C71C1284B5BE}"/>
               </a:ext>
             </a:extLst>
           </p:cNvPr>
@@ -666,7 +669,7 @@
           <a:bodyPr/>
           <a:lstStyle/>
           <a:p>
-            <a:fld id="{1E118A51-EE89-48AC-8F6F-489F47810366}" type="datetimeFigureOut">
+            <a:fld id="{8EE5A4CA-B9F3-4D89-87D4-B72A81B20F9F}" type="datetimeFigureOut">
               <a:rPr lang="en-IN" smtClean="0"/>
               <a:t>15-02-2026</a:t>
             </a:fld>
@@ -679,7 +682,7 @@
           <p:cNvPr id="5" name="Footer Placeholder 4">
             <a:extLst>
               <a:ext uri="{FF2B5EF4-FFF2-40B4-BE49-F238E27FC236}">
-                <a16:creationId xmlns:a16="http://schemas.microsoft.com/office/drawing/2014/main" id="{99119C3B-1EE8-3239-0DC8-0DC84E234CFE}"/>
+                <a16:creationId xmlns:a16="http://schemas.microsoft.com/office/drawing/2014/main" id="{1188BE76-37FA-DFE1-0E7F-C444C924D705}"/>
               </a:ext>
             </a:extLst>
           </p:cNvPr>
@@ -704,7 +707,7 @@
           <p:cNvPr id="6" name="Slide Number Placeholder 5">
             <a:extLst>
               <a:ext uri="{FF2B5EF4-FFF2-40B4-BE49-F238E27FC236}">
-                <a16:creationId xmlns:a16="http://schemas.microsoft.com/office/drawing/2014/main" id="{87C4D329-0862-3390-0974-0405E3743240}"/>
+                <a16:creationId xmlns:a16="http://schemas.microsoft.com/office/drawing/2014/main" id="{D2429015-8826-4D8C-F458-1A3D67151ECE}"/>
               </a:ext>
             </a:extLst>
           </p:cNvPr>
@@ -720,7 +723,7 @@
           <a:bodyPr/>
           <a:lstStyle/>
           <a:p>
-            <a:fld id="{E8A1261C-6C67-4BBA-9A7E-11C1D1AF3426}" type="slidenum">
+            <a:fld id="{E5B29050-0639-4394-823C-6C6B23EFD60F}" type="slidenum">
               <a:rPr lang="en-IN" smtClean="0"/>
               <a:t>‹#›</a:t>
             </a:fld>
@@ -731,7 +734,7 @@
     </p:spTree>
     <p:extLst>
       <p:ext uri="{BB962C8B-B14F-4D97-AF65-F5344CB8AC3E}">
-        <p14:creationId xmlns:p14="http://schemas.microsoft.com/office/powerpoint/2010/main" val="1483706289"/>
+        <p14:creationId xmlns:p14="http://schemas.microsoft.com/office/powerpoint/2010/main" val="4195217454"/>
       </p:ext>
     </p:extLst>
   </p:cSld>
@@ -763,7 +766,7 @@
           <p:cNvPr id="2" name="Title 1">
             <a:extLst>
               <a:ext uri="{FF2B5EF4-FFF2-40B4-BE49-F238E27FC236}">
-                <a16:creationId xmlns:a16="http://schemas.microsoft.com/office/drawing/2014/main" id="{E81BB6E8-D40D-F867-57E9-BF8D60846B07}"/>
+                <a16:creationId xmlns:a16="http://schemas.microsoft.com/office/drawing/2014/main" id="{FDDEE44A-77A1-C49F-5ED9-EEDD7134EEAF}"/>
               </a:ext>
             </a:extLst>
           </p:cNvPr>
@@ -792,7 +795,7 @@
           <p:cNvPr id="3" name="Content Placeholder 2">
             <a:extLst>
               <a:ext uri="{FF2B5EF4-FFF2-40B4-BE49-F238E27FC236}">
-                <a16:creationId xmlns:a16="http://schemas.microsoft.com/office/drawing/2014/main" id="{E1A439A6-BFA4-1CB5-F973-433A98B8A33D}"/>
+                <a16:creationId xmlns:a16="http://schemas.microsoft.com/office/drawing/2014/main" id="{BF4EC03E-4AED-14CA-1D03-E0ABAB2A2358}"/>
               </a:ext>
             </a:extLst>
           </p:cNvPr>
@@ -850,7 +853,7 @@
           <p:cNvPr id="4" name="Date Placeholder 3">
             <a:extLst>
               <a:ext uri="{FF2B5EF4-FFF2-40B4-BE49-F238E27FC236}">
-                <a16:creationId xmlns:a16="http://schemas.microsoft.com/office/drawing/2014/main" id="{73C3DA99-E2AE-B97E-845A-ED44930E1706}"/>
+                <a16:creationId xmlns:a16="http://schemas.microsoft.com/office/drawing/2014/main" id="{0565E4EB-90AA-A20D-852F-87E884B0B9C0}"/>
               </a:ext>
             </a:extLst>
           </p:cNvPr>
@@ -866,7 +869,7 @@
           <a:bodyPr/>
           <a:lstStyle/>
           <a:p>
-            <a:fld id="{1E118A51-EE89-48AC-8F6F-489F47810366}" type="datetimeFigureOut">
+            <a:fld id="{8EE5A4CA-B9F3-4D89-87D4-B72A81B20F9F}" type="datetimeFigureOut">
               <a:rPr lang="en-IN" smtClean="0"/>
               <a:t>15-02-2026</a:t>
             </a:fld>
@@ -879,7 +882,7 @@
           <p:cNvPr id="5" name="Footer Placeholder 4">
             <a:extLst>
               <a:ext uri="{FF2B5EF4-FFF2-40B4-BE49-F238E27FC236}">
-                <a16:creationId xmlns:a16="http://schemas.microsoft.com/office/drawing/2014/main" id="{3D6DFF92-9E3F-7AF9-65C0-8B5FCE1A6127}"/>
+                <a16:creationId xmlns:a16="http://schemas.microsoft.com/office/drawing/2014/main" id="{EA495A48-7006-CBD7-D832-7327268F9498}"/>
               </a:ext>
             </a:extLst>
           </p:cNvPr>
@@ -904,7 +907,7 @@
           <p:cNvPr id="6" name="Slide Number Placeholder 5">
             <a:extLst>
               <a:ext uri="{FF2B5EF4-FFF2-40B4-BE49-F238E27FC236}">
-                <a16:creationId xmlns:a16="http://schemas.microsoft.com/office/drawing/2014/main" id="{A717A0E1-5942-8A2F-FA3A-A296AD1B65FC}"/>
+                <a16:creationId xmlns:a16="http://schemas.microsoft.com/office/drawing/2014/main" id="{59746F62-31DD-7429-EAF3-FA6A4411CCB3}"/>
               </a:ext>
             </a:extLst>
           </p:cNvPr>
@@ -920,7 +923,7 @@
           <a:bodyPr/>
           <a:lstStyle/>
           <a:p>
-            <a:fld id="{E8A1261C-6C67-4BBA-9A7E-11C1D1AF3426}" type="slidenum">
+            <a:fld id="{E5B29050-0639-4394-823C-6C6B23EFD60F}" type="slidenum">
               <a:rPr lang="en-IN" smtClean="0"/>
               <a:t>‹#›</a:t>
             </a:fld>
@@ -931,7 +934,7 @@
     </p:spTree>
     <p:extLst>
       <p:ext uri="{BB962C8B-B14F-4D97-AF65-F5344CB8AC3E}">
-        <p14:creationId xmlns:p14="http://schemas.microsoft.com/office/powerpoint/2010/main" val="3871488117"/>
+        <p14:creationId xmlns:p14="http://schemas.microsoft.com/office/powerpoint/2010/main" val="1581052487"/>
       </p:ext>
     </p:extLst>
   </p:cSld>
@@ -963,7 +966,7 @@
           <p:cNvPr id="2" name="Title 1">
             <a:extLst>
               <a:ext uri="{FF2B5EF4-FFF2-40B4-BE49-F238E27FC236}">
-                <a16:creationId xmlns:a16="http://schemas.microsoft.com/office/drawing/2014/main" id="{54E75894-3648-A05C-D89C-8583799114A1}"/>
+                <a16:creationId xmlns:a16="http://schemas.microsoft.com/office/drawing/2014/main" id="{47D706C0-38B7-5F8D-7F99-6C06D0D41154}"/>
               </a:ext>
             </a:extLst>
           </p:cNvPr>
@@ -1001,7 +1004,7 @@
           <p:cNvPr id="3" name="Text Placeholder 2">
             <a:extLst>
               <a:ext uri="{FF2B5EF4-FFF2-40B4-BE49-F238E27FC236}">
-                <a16:creationId xmlns:a16="http://schemas.microsoft.com/office/drawing/2014/main" id="{C174AB38-7492-2F9D-2536-FCE20C8BAD2A}"/>
+                <a16:creationId xmlns:a16="http://schemas.microsoft.com/office/drawing/2014/main" id="{4312BABA-2DB3-0915-E891-A8F2858BEDEE}"/>
               </a:ext>
             </a:extLst>
           </p:cNvPr>
@@ -1126,7 +1129,7 @@
           <p:cNvPr id="4" name="Date Placeholder 3">
             <a:extLst>
               <a:ext uri="{FF2B5EF4-FFF2-40B4-BE49-F238E27FC236}">
-                <a16:creationId xmlns:a16="http://schemas.microsoft.com/office/drawing/2014/main" id="{4CECF365-49D4-C563-2B78-FEB57A6B23EB}"/>
+                <a16:creationId xmlns:a16="http://schemas.microsoft.com/office/drawing/2014/main" id="{548DB85D-8EEF-9F0E-732C-3D3D9473CA1F}"/>
               </a:ext>
             </a:extLst>
           </p:cNvPr>
@@ -1142,7 +1145,7 @@
           <a:bodyPr/>
           <a:lstStyle/>
           <a:p>
-            <a:fld id="{1E118A51-EE89-48AC-8F6F-489F47810366}" type="datetimeFigureOut">
+            <a:fld id="{8EE5A4CA-B9F3-4D89-87D4-B72A81B20F9F}" type="datetimeFigureOut">
               <a:rPr lang="en-IN" smtClean="0"/>
               <a:t>15-02-2026</a:t>
             </a:fld>
@@ -1155,7 +1158,7 @@
           <p:cNvPr id="5" name="Footer Placeholder 4">
             <a:extLst>
               <a:ext uri="{FF2B5EF4-FFF2-40B4-BE49-F238E27FC236}">
-                <a16:creationId xmlns:a16="http://schemas.microsoft.com/office/drawing/2014/main" id="{FC09BE07-DC9E-6FBA-DED5-09CF1459AE0E}"/>
+                <a16:creationId xmlns:a16="http://schemas.microsoft.com/office/drawing/2014/main" id="{47BF60B8-0D6D-CB2A-A0E1-5A905A3FE5DC}"/>
               </a:ext>
             </a:extLst>
           </p:cNvPr>
@@ -1180,7 +1183,7 @@
           <p:cNvPr id="6" name="Slide Number Placeholder 5">
             <a:extLst>
               <a:ext uri="{FF2B5EF4-FFF2-40B4-BE49-F238E27FC236}">
-                <a16:creationId xmlns:a16="http://schemas.microsoft.com/office/drawing/2014/main" id="{5424C206-AEB4-7537-C913-8DB5B8D24144}"/>
+                <a16:creationId xmlns:a16="http://schemas.microsoft.com/office/drawing/2014/main" id="{49FBCED2-A442-F862-C879-2EEC9FFBD631}"/>
               </a:ext>
             </a:extLst>
           </p:cNvPr>
@@ -1196,7 +1199,7 @@
           <a:bodyPr/>
           <a:lstStyle/>
           <a:p>
-            <a:fld id="{E8A1261C-6C67-4BBA-9A7E-11C1D1AF3426}" type="slidenum">
+            <a:fld id="{E5B29050-0639-4394-823C-6C6B23EFD60F}" type="slidenum">
               <a:rPr lang="en-IN" smtClean="0"/>
               <a:t>‹#›</a:t>
             </a:fld>
@@ -1207,7 +1210,7 @@
     </p:spTree>
     <p:extLst>
       <p:ext uri="{BB962C8B-B14F-4D97-AF65-F5344CB8AC3E}">
-        <p14:creationId xmlns:p14="http://schemas.microsoft.com/office/powerpoint/2010/main" val="2935651684"/>
+        <p14:creationId xmlns:p14="http://schemas.microsoft.com/office/powerpoint/2010/main" val="3688650592"/>
       </p:ext>
     </p:extLst>
   </p:cSld>
@@ -1239,7 +1242,7 @@
           <p:cNvPr id="2" name="Title 1">
             <a:extLst>
               <a:ext uri="{FF2B5EF4-FFF2-40B4-BE49-F238E27FC236}">
-                <a16:creationId xmlns:a16="http://schemas.microsoft.com/office/drawing/2014/main" id="{64209BAE-FCE1-2274-2D94-CA931FFEFDE8}"/>
+                <a16:creationId xmlns:a16="http://schemas.microsoft.com/office/drawing/2014/main" id="{7BF1772F-5846-E9BC-BB48-2D0B3CC5CB8B}"/>
               </a:ext>
             </a:extLst>
           </p:cNvPr>
@@ -1268,7 +1271,7 @@
           <p:cNvPr id="3" name="Content Placeholder 2">
             <a:extLst>
               <a:ext uri="{FF2B5EF4-FFF2-40B4-BE49-F238E27FC236}">
-                <a16:creationId xmlns:a16="http://schemas.microsoft.com/office/drawing/2014/main" id="{71BDD727-CFB7-0E0F-6660-FCD5D17251F8}"/>
+                <a16:creationId xmlns:a16="http://schemas.microsoft.com/office/drawing/2014/main" id="{E63BD636-5154-B95B-B4AC-2ADB8E69C684}"/>
               </a:ext>
             </a:extLst>
           </p:cNvPr>
@@ -1331,7 +1334,7 @@
           <p:cNvPr id="4" name="Content Placeholder 3">
             <a:extLst>
               <a:ext uri="{FF2B5EF4-FFF2-40B4-BE49-F238E27FC236}">
-                <a16:creationId xmlns:a16="http://schemas.microsoft.com/office/drawing/2014/main" id="{8B17BF3C-6A62-5F26-10F8-49E107E2059F}"/>
+                <a16:creationId xmlns:a16="http://schemas.microsoft.com/office/drawing/2014/main" id="{A72263AE-6E2E-CDAB-3262-1AFACA1FC108}"/>
               </a:ext>
             </a:extLst>
           </p:cNvPr>
@@ -1394,7 +1397,7 @@
           <p:cNvPr id="5" name="Date Placeholder 4">
             <a:extLst>
               <a:ext uri="{FF2B5EF4-FFF2-40B4-BE49-F238E27FC236}">
-                <a16:creationId xmlns:a16="http://schemas.microsoft.com/office/drawing/2014/main" id="{6EDDD1D1-E298-EF59-76D3-9E1A0D35DE2A}"/>
+                <a16:creationId xmlns:a16="http://schemas.microsoft.com/office/drawing/2014/main" id="{87FC4FBF-D722-BC6E-269C-7E398563C73C}"/>
               </a:ext>
             </a:extLst>
           </p:cNvPr>
@@ -1410,7 +1413,7 @@
           <a:bodyPr/>
           <a:lstStyle/>
           <a:p>
-            <a:fld id="{1E118A51-EE89-48AC-8F6F-489F47810366}" type="datetimeFigureOut">
+            <a:fld id="{8EE5A4CA-B9F3-4D89-87D4-B72A81B20F9F}" type="datetimeFigureOut">
               <a:rPr lang="en-IN" smtClean="0"/>
               <a:t>15-02-2026</a:t>
             </a:fld>
@@ -1423,7 +1426,7 @@
           <p:cNvPr id="6" name="Footer Placeholder 5">
             <a:extLst>
               <a:ext uri="{FF2B5EF4-FFF2-40B4-BE49-F238E27FC236}">
-                <a16:creationId xmlns:a16="http://schemas.microsoft.com/office/drawing/2014/main" id="{1C35DE48-2AFB-B16D-352C-9E87CFAF775D}"/>
+                <a16:creationId xmlns:a16="http://schemas.microsoft.com/office/drawing/2014/main" id="{BC942EBB-D847-43D2-44C2-C0B957512456}"/>
               </a:ext>
             </a:extLst>
           </p:cNvPr>
@@ -1448,7 +1451,7 @@
           <p:cNvPr id="7" name="Slide Number Placeholder 6">
             <a:extLst>
               <a:ext uri="{FF2B5EF4-FFF2-40B4-BE49-F238E27FC236}">
-                <a16:creationId xmlns:a16="http://schemas.microsoft.com/office/drawing/2014/main" id="{98282370-B9EB-97ED-5725-70A9A2021586}"/>
+                <a16:creationId xmlns:a16="http://schemas.microsoft.com/office/drawing/2014/main" id="{DEE71CFD-EAAD-FC2C-D8A2-D52878965452}"/>
               </a:ext>
             </a:extLst>
           </p:cNvPr>
@@ -1464,7 +1467,7 @@
           <a:bodyPr/>
           <a:lstStyle/>
           <a:p>
-            <a:fld id="{E8A1261C-6C67-4BBA-9A7E-11C1D1AF3426}" type="slidenum">
+            <a:fld id="{E5B29050-0639-4394-823C-6C6B23EFD60F}" type="slidenum">
               <a:rPr lang="en-IN" smtClean="0"/>
               <a:t>‹#›</a:t>
             </a:fld>
@@ -1475,7 +1478,7 @@
     </p:spTree>
     <p:extLst>
       <p:ext uri="{BB962C8B-B14F-4D97-AF65-F5344CB8AC3E}">
-        <p14:creationId xmlns:p14="http://schemas.microsoft.com/office/powerpoint/2010/main" val="334135006"/>
+        <p14:creationId xmlns:p14="http://schemas.microsoft.com/office/powerpoint/2010/main" val="312329723"/>
       </p:ext>
     </p:extLst>
   </p:cSld>
@@ -1507,7 +1510,7 @@
           <p:cNvPr id="2" name="Title 1">
             <a:extLst>
               <a:ext uri="{FF2B5EF4-FFF2-40B4-BE49-F238E27FC236}">
-                <a16:creationId xmlns:a16="http://schemas.microsoft.com/office/drawing/2014/main" id="{8CC986D7-C439-114C-0D25-2C26A3F37E4C}"/>
+                <a16:creationId xmlns:a16="http://schemas.microsoft.com/office/drawing/2014/main" id="{5F048555-3AA9-7D76-47E3-F9F13BEC6197}"/>
               </a:ext>
             </a:extLst>
           </p:cNvPr>
@@ -1541,7 +1544,7 @@
           <p:cNvPr id="3" name="Text Placeholder 2">
             <a:extLst>
               <a:ext uri="{FF2B5EF4-FFF2-40B4-BE49-F238E27FC236}">
-                <a16:creationId xmlns:a16="http://schemas.microsoft.com/office/drawing/2014/main" id="{8105E434-9A1A-6B91-03AF-A1BE7B516804}"/>
+                <a16:creationId xmlns:a16="http://schemas.microsoft.com/office/drawing/2014/main" id="{A541BA35-17E5-8088-D49A-37CFDF8C4C08}"/>
               </a:ext>
             </a:extLst>
           </p:cNvPr>
@@ -1612,7 +1615,7 @@
           <p:cNvPr id="4" name="Content Placeholder 3">
             <a:extLst>
               <a:ext uri="{FF2B5EF4-FFF2-40B4-BE49-F238E27FC236}">
-                <a16:creationId xmlns:a16="http://schemas.microsoft.com/office/drawing/2014/main" id="{16BAD6BB-AC03-6A7C-7F59-E82572401E94}"/>
+                <a16:creationId xmlns:a16="http://schemas.microsoft.com/office/drawing/2014/main" id="{D0ECAC96-3801-4FCF-4344-CA109228B48B}"/>
               </a:ext>
             </a:extLst>
           </p:cNvPr>
@@ -1675,7 +1678,7 @@
           <p:cNvPr id="5" name="Text Placeholder 4">
             <a:extLst>
               <a:ext uri="{FF2B5EF4-FFF2-40B4-BE49-F238E27FC236}">
-                <a16:creationId xmlns:a16="http://schemas.microsoft.com/office/drawing/2014/main" id="{860FCB81-74A6-4E29-A566-8507203D0A58}"/>
+                <a16:creationId xmlns:a16="http://schemas.microsoft.com/office/drawing/2014/main" id="{EEA58C5E-A752-34EB-4C70-6FEE5990D8A2}"/>
               </a:ext>
             </a:extLst>
           </p:cNvPr>
@@ -1746,7 +1749,7 @@
           <p:cNvPr id="6" name="Content Placeholder 5">
             <a:extLst>
               <a:ext uri="{FF2B5EF4-FFF2-40B4-BE49-F238E27FC236}">
-                <a16:creationId xmlns:a16="http://schemas.microsoft.com/office/drawing/2014/main" id="{8868FE39-B456-E501-6092-A3FF5FF298C4}"/>
+                <a16:creationId xmlns:a16="http://schemas.microsoft.com/office/drawing/2014/main" id="{A6AF0757-3E8D-E663-B422-92AE8AB4F2B9}"/>
               </a:ext>
             </a:extLst>
           </p:cNvPr>
@@ -1809,7 +1812,7 @@
           <p:cNvPr id="7" name="Date Placeholder 6">
             <a:extLst>
               <a:ext uri="{FF2B5EF4-FFF2-40B4-BE49-F238E27FC236}">
-                <a16:creationId xmlns:a16="http://schemas.microsoft.com/office/drawing/2014/main" id="{7DBFE28F-2AC7-F82E-F522-44C94535171C}"/>
+                <a16:creationId xmlns:a16="http://schemas.microsoft.com/office/drawing/2014/main" id="{E17720F9-71EA-C9FF-5373-28EE687CAF32}"/>
               </a:ext>
             </a:extLst>
           </p:cNvPr>
@@ -1825,7 +1828,7 @@
           <a:bodyPr/>
           <a:lstStyle/>
           <a:p>
-            <a:fld id="{1E118A51-EE89-48AC-8F6F-489F47810366}" type="datetimeFigureOut">
+            <a:fld id="{8EE5A4CA-B9F3-4D89-87D4-B72A81B20F9F}" type="datetimeFigureOut">
               <a:rPr lang="en-IN" smtClean="0"/>
               <a:t>15-02-2026</a:t>
             </a:fld>
@@ -1838,7 +1841,7 @@
           <p:cNvPr id="8" name="Footer Placeholder 7">
             <a:extLst>
               <a:ext uri="{FF2B5EF4-FFF2-40B4-BE49-F238E27FC236}">
-                <a16:creationId xmlns:a16="http://schemas.microsoft.com/office/drawing/2014/main" id="{82955BCA-8D91-ECDB-787F-FF85BA3AE535}"/>
+                <a16:creationId xmlns:a16="http://schemas.microsoft.com/office/drawing/2014/main" id="{CEDE1ED7-B2D3-4FC5-683E-B9D2F492B8FD}"/>
               </a:ext>
             </a:extLst>
           </p:cNvPr>
@@ -1863,7 +1866,7 @@
           <p:cNvPr id="9" name="Slide Number Placeholder 8">
             <a:extLst>
               <a:ext uri="{FF2B5EF4-FFF2-40B4-BE49-F238E27FC236}">
-                <a16:creationId xmlns:a16="http://schemas.microsoft.com/office/drawing/2014/main" id="{16AFB733-6C5B-8EE8-FF47-4D1A333BF26D}"/>
+                <a16:creationId xmlns:a16="http://schemas.microsoft.com/office/drawing/2014/main" id="{DA38F77D-EF6C-702D-83FA-3F7CCE15272A}"/>
               </a:ext>
             </a:extLst>
           </p:cNvPr>
@@ -1879,7 +1882,7 @@
           <a:bodyPr/>
           <a:lstStyle/>
           <a:p>
-            <a:fld id="{E8A1261C-6C67-4BBA-9A7E-11C1D1AF3426}" type="slidenum">
+            <a:fld id="{E5B29050-0639-4394-823C-6C6B23EFD60F}" type="slidenum">
               <a:rPr lang="en-IN" smtClean="0"/>
               <a:t>‹#›</a:t>
             </a:fld>
@@ -1890,7 +1893,7 @@
     </p:spTree>
     <p:extLst>
       <p:ext uri="{BB962C8B-B14F-4D97-AF65-F5344CB8AC3E}">
-        <p14:creationId xmlns:p14="http://schemas.microsoft.com/office/powerpoint/2010/main" val="1691343506"/>
+        <p14:creationId xmlns:p14="http://schemas.microsoft.com/office/powerpoint/2010/main" val="1120465581"/>
       </p:ext>
     </p:extLst>
   </p:cSld>
@@ -1922,7 +1925,7 @@
           <p:cNvPr id="2" name="Title 1">
             <a:extLst>
               <a:ext uri="{FF2B5EF4-FFF2-40B4-BE49-F238E27FC236}">
-                <a16:creationId xmlns:a16="http://schemas.microsoft.com/office/drawing/2014/main" id="{4BFF2C37-553D-4FD0-D3CA-D807F8FFE029}"/>
+                <a16:creationId xmlns:a16="http://schemas.microsoft.com/office/drawing/2014/main" id="{EBC59C73-BED8-CDE5-F0F5-5B0E587376D1}"/>
               </a:ext>
             </a:extLst>
           </p:cNvPr>
@@ -1951,7 +1954,7 @@
           <p:cNvPr id="3" name="Date Placeholder 2">
             <a:extLst>
               <a:ext uri="{FF2B5EF4-FFF2-40B4-BE49-F238E27FC236}">
-                <a16:creationId xmlns:a16="http://schemas.microsoft.com/office/drawing/2014/main" id="{BCC0C9CF-1E94-05B5-A96A-6BE7C3045154}"/>
+                <a16:creationId xmlns:a16="http://schemas.microsoft.com/office/drawing/2014/main" id="{592F1C06-FAE4-216C-9635-FA2A3BCC1B4D}"/>
               </a:ext>
             </a:extLst>
           </p:cNvPr>
@@ -1967,7 +1970,7 @@
           <a:bodyPr/>
           <a:lstStyle/>
           <a:p>
-            <a:fld id="{1E118A51-EE89-48AC-8F6F-489F47810366}" type="datetimeFigureOut">
+            <a:fld id="{8EE5A4CA-B9F3-4D89-87D4-B72A81B20F9F}" type="datetimeFigureOut">
               <a:rPr lang="en-IN" smtClean="0"/>
               <a:t>15-02-2026</a:t>
             </a:fld>
@@ -1980,7 +1983,7 @@
           <p:cNvPr id="4" name="Footer Placeholder 3">
             <a:extLst>
               <a:ext uri="{FF2B5EF4-FFF2-40B4-BE49-F238E27FC236}">
-                <a16:creationId xmlns:a16="http://schemas.microsoft.com/office/drawing/2014/main" id="{6AD12098-2EB8-438F-5459-B23DEFBF9998}"/>
+                <a16:creationId xmlns:a16="http://schemas.microsoft.com/office/drawing/2014/main" id="{503C5FFB-EBB9-5500-2617-2454DCE6D9C9}"/>
               </a:ext>
             </a:extLst>
           </p:cNvPr>
@@ -2005,7 +2008,7 @@
           <p:cNvPr id="5" name="Slide Number Placeholder 4">
             <a:extLst>
               <a:ext uri="{FF2B5EF4-FFF2-40B4-BE49-F238E27FC236}">
-                <a16:creationId xmlns:a16="http://schemas.microsoft.com/office/drawing/2014/main" id="{2F22257D-9A37-C659-2099-EE52D074F4AC}"/>
+                <a16:creationId xmlns:a16="http://schemas.microsoft.com/office/drawing/2014/main" id="{49EF20CE-0A49-9D12-9E58-A342844D6342}"/>
               </a:ext>
             </a:extLst>
           </p:cNvPr>
@@ -2021,7 +2024,7 @@
           <a:bodyPr/>
           <a:lstStyle/>
           <a:p>
-            <a:fld id="{E8A1261C-6C67-4BBA-9A7E-11C1D1AF3426}" type="slidenum">
+            <a:fld id="{E5B29050-0639-4394-823C-6C6B23EFD60F}" type="slidenum">
               <a:rPr lang="en-IN" smtClean="0"/>
               <a:t>‹#›</a:t>
             </a:fld>
@@ -2032,7 +2035,7 @@
     </p:spTree>
     <p:extLst>
       <p:ext uri="{BB962C8B-B14F-4D97-AF65-F5344CB8AC3E}">
-        <p14:creationId xmlns:p14="http://schemas.microsoft.com/office/powerpoint/2010/main" val="1977532853"/>
+        <p14:creationId xmlns:p14="http://schemas.microsoft.com/office/powerpoint/2010/main" val="4004854457"/>
       </p:ext>
     </p:extLst>
   </p:cSld>
@@ -2064,7 +2067,7 @@
           <p:cNvPr id="2" name="Date Placeholder 1">
             <a:extLst>
               <a:ext uri="{FF2B5EF4-FFF2-40B4-BE49-F238E27FC236}">
-                <a16:creationId xmlns:a16="http://schemas.microsoft.com/office/drawing/2014/main" id="{7C272E68-F176-CD1C-CD89-93F04C06E30A}"/>
+                <a16:creationId xmlns:a16="http://schemas.microsoft.com/office/drawing/2014/main" id="{F0F3F467-D39B-8D39-CEAF-1E220D978287}"/>
               </a:ext>
             </a:extLst>
           </p:cNvPr>
@@ -2080,7 +2083,7 @@
           <a:bodyPr/>
           <a:lstStyle/>
           <a:p>
-            <a:fld id="{1E118A51-EE89-48AC-8F6F-489F47810366}" type="datetimeFigureOut">
+            <a:fld id="{8EE5A4CA-B9F3-4D89-87D4-B72A81B20F9F}" type="datetimeFigureOut">
               <a:rPr lang="en-IN" smtClean="0"/>
               <a:t>15-02-2026</a:t>
             </a:fld>
@@ -2093,7 +2096,7 @@
           <p:cNvPr id="3" name="Footer Placeholder 2">
             <a:extLst>
               <a:ext uri="{FF2B5EF4-FFF2-40B4-BE49-F238E27FC236}">
-                <a16:creationId xmlns:a16="http://schemas.microsoft.com/office/drawing/2014/main" id="{A6A7440A-E217-6B85-2AA6-FACB1830B4B2}"/>
+                <a16:creationId xmlns:a16="http://schemas.microsoft.com/office/drawing/2014/main" id="{EFF22105-1DC2-D2A0-1821-4DE762419586}"/>
               </a:ext>
             </a:extLst>
           </p:cNvPr>
@@ -2118,7 +2121,7 @@
           <p:cNvPr id="4" name="Slide Number Placeholder 3">
             <a:extLst>
               <a:ext uri="{FF2B5EF4-FFF2-40B4-BE49-F238E27FC236}">
-                <a16:creationId xmlns:a16="http://schemas.microsoft.com/office/drawing/2014/main" id="{3E7A0ABE-4FB5-A78B-E8DB-E56277FD40B8}"/>
+                <a16:creationId xmlns:a16="http://schemas.microsoft.com/office/drawing/2014/main" id="{C7C64074-1180-CF10-F19C-D936DA47EB97}"/>
               </a:ext>
             </a:extLst>
           </p:cNvPr>
@@ -2134,7 +2137,7 @@
           <a:bodyPr/>
           <a:lstStyle/>
           <a:p>
-            <a:fld id="{E8A1261C-6C67-4BBA-9A7E-11C1D1AF3426}" type="slidenum">
+            <a:fld id="{E5B29050-0639-4394-823C-6C6B23EFD60F}" type="slidenum">
               <a:rPr lang="en-IN" smtClean="0"/>
               <a:t>‹#›</a:t>
             </a:fld>
@@ -2145,7 +2148,7 @@
     </p:spTree>
     <p:extLst>
       <p:ext uri="{BB962C8B-B14F-4D97-AF65-F5344CB8AC3E}">
-        <p14:creationId xmlns:p14="http://schemas.microsoft.com/office/powerpoint/2010/main" val="670037464"/>
+        <p14:creationId xmlns:p14="http://schemas.microsoft.com/office/powerpoint/2010/main" val="2028457259"/>
       </p:ext>
     </p:extLst>
   </p:cSld>
@@ -2177,7 +2180,7 @@
           <p:cNvPr id="2" name="Title 1">
             <a:extLst>
               <a:ext uri="{FF2B5EF4-FFF2-40B4-BE49-F238E27FC236}">
-                <a16:creationId xmlns:a16="http://schemas.microsoft.com/office/drawing/2014/main" id="{B3424B63-EF0A-AFF1-3714-CB951A206956}"/>
+                <a16:creationId xmlns:a16="http://schemas.microsoft.com/office/drawing/2014/main" id="{4A3EA57A-7288-3767-474A-FDA52DBF6460}"/>
               </a:ext>
             </a:extLst>
           </p:cNvPr>
@@ -2215,7 +2218,7 @@
           <p:cNvPr id="3" name="Content Placeholder 2">
             <a:extLst>
               <a:ext uri="{FF2B5EF4-FFF2-40B4-BE49-F238E27FC236}">
-                <a16:creationId xmlns:a16="http://schemas.microsoft.com/office/drawing/2014/main" id="{919A04DC-7F69-D649-1259-01A36F1B111D}"/>
+                <a16:creationId xmlns:a16="http://schemas.microsoft.com/office/drawing/2014/main" id="{AA3ABF06-F160-5023-5645-2BE52B89ED4F}"/>
               </a:ext>
             </a:extLst>
           </p:cNvPr>
@@ -2306,7 +2309,7 @@
           <p:cNvPr id="4" name="Text Placeholder 3">
             <a:extLst>
               <a:ext uri="{FF2B5EF4-FFF2-40B4-BE49-F238E27FC236}">
-                <a16:creationId xmlns:a16="http://schemas.microsoft.com/office/drawing/2014/main" id="{0560F554-748D-E95D-E42F-F9D5338BC124}"/>
+                <a16:creationId xmlns:a16="http://schemas.microsoft.com/office/drawing/2014/main" id="{30FA0895-CB10-D9A1-5F33-5D394B36EF5F}"/>
               </a:ext>
             </a:extLst>
           </p:cNvPr>
@@ -2377,7 +2380,7 @@
           <p:cNvPr id="5" name="Date Placeholder 4">
             <a:extLst>
               <a:ext uri="{FF2B5EF4-FFF2-40B4-BE49-F238E27FC236}">
-                <a16:creationId xmlns:a16="http://schemas.microsoft.com/office/drawing/2014/main" id="{72FFB5C1-DBBB-3612-E4F3-5272CB187F01}"/>
+                <a16:creationId xmlns:a16="http://schemas.microsoft.com/office/drawing/2014/main" id="{BE37CC60-4AD1-927C-475D-B667B8336D6F}"/>
               </a:ext>
             </a:extLst>
           </p:cNvPr>
@@ -2393,7 +2396,7 @@
           <a:bodyPr/>
           <a:lstStyle/>
           <a:p>
-            <a:fld id="{1E118A51-EE89-48AC-8F6F-489F47810366}" type="datetimeFigureOut">
+            <a:fld id="{8EE5A4CA-B9F3-4D89-87D4-B72A81B20F9F}" type="datetimeFigureOut">
               <a:rPr lang="en-IN" smtClean="0"/>
               <a:t>15-02-2026</a:t>
             </a:fld>
@@ -2406,7 +2409,7 @@
           <p:cNvPr id="6" name="Footer Placeholder 5">
             <a:extLst>
               <a:ext uri="{FF2B5EF4-FFF2-40B4-BE49-F238E27FC236}">
-                <a16:creationId xmlns:a16="http://schemas.microsoft.com/office/drawing/2014/main" id="{3F7BC81D-DFA5-95B6-37A8-C5F20EA7A109}"/>
+                <a16:creationId xmlns:a16="http://schemas.microsoft.com/office/drawing/2014/main" id="{57DD9FA2-943E-D22E-3A56-AA974382310C}"/>
               </a:ext>
             </a:extLst>
           </p:cNvPr>
@@ -2431,7 +2434,7 @@
           <p:cNvPr id="7" name="Slide Number Placeholder 6">
             <a:extLst>
               <a:ext uri="{FF2B5EF4-FFF2-40B4-BE49-F238E27FC236}">
-                <a16:creationId xmlns:a16="http://schemas.microsoft.com/office/drawing/2014/main" id="{38940652-AA55-B3EF-FEE1-9258FA3618B0}"/>
+                <a16:creationId xmlns:a16="http://schemas.microsoft.com/office/drawing/2014/main" id="{F4D6D890-827B-C1FC-BF98-4D0549B271C5}"/>
               </a:ext>
             </a:extLst>
           </p:cNvPr>
@@ -2447,7 +2450,7 @@
           <a:bodyPr/>
           <a:lstStyle/>
           <a:p>
-            <a:fld id="{E8A1261C-6C67-4BBA-9A7E-11C1D1AF3426}" type="slidenum">
+            <a:fld id="{E5B29050-0639-4394-823C-6C6B23EFD60F}" type="slidenum">
               <a:rPr lang="en-IN" smtClean="0"/>
               <a:t>‹#›</a:t>
             </a:fld>
@@ -2458,7 +2461,7 @@
     </p:spTree>
     <p:extLst>
       <p:ext uri="{BB962C8B-B14F-4D97-AF65-F5344CB8AC3E}">
-        <p14:creationId xmlns:p14="http://schemas.microsoft.com/office/powerpoint/2010/main" val="3382934127"/>
+        <p14:creationId xmlns:p14="http://schemas.microsoft.com/office/powerpoint/2010/main" val="3288940767"/>
       </p:ext>
     </p:extLst>
   </p:cSld>
@@ -2490,7 +2493,7 @@
           <p:cNvPr id="2" name="Title 1">
             <a:extLst>
               <a:ext uri="{FF2B5EF4-FFF2-40B4-BE49-F238E27FC236}">
-                <a16:creationId xmlns:a16="http://schemas.microsoft.com/office/drawing/2014/main" id="{184CBBCB-1EE6-99F9-8D48-135323BB4F6B}"/>
+                <a16:creationId xmlns:a16="http://schemas.microsoft.com/office/drawing/2014/main" id="{1199061D-781D-8D4F-7656-21F615445A27}"/>
               </a:ext>
             </a:extLst>
           </p:cNvPr>
@@ -2528,7 +2531,7 @@
           <p:cNvPr id="3" name="Picture Placeholder 2">
             <a:extLst>
               <a:ext uri="{FF2B5EF4-FFF2-40B4-BE49-F238E27FC236}">
-                <a16:creationId xmlns:a16="http://schemas.microsoft.com/office/drawing/2014/main" id="{CCDBB4B7-9099-2274-0D8D-F33EF26D3D37}"/>
+                <a16:creationId xmlns:a16="http://schemas.microsoft.com/office/drawing/2014/main" id="{4B91F5B5-0195-F041-D586-69E9703F865D}"/>
               </a:ext>
             </a:extLst>
           </p:cNvPr>
@@ -2595,7 +2598,7 @@
           <p:cNvPr id="4" name="Text Placeholder 3">
             <a:extLst>
               <a:ext uri="{FF2B5EF4-FFF2-40B4-BE49-F238E27FC236}">
-                <a16:creationId xmlns:a16="http://schemas.microsoft.com/office/drawing/2014/main" id="{03569AA6-57F6-AA18-30B3-016DBCF8A35D}"/>
+                <a16:creationId xmlns:a16="http://schemas.microsoft.com/office/drawing/2014/main" id="{ED0F75B8-3D89-C607-3B02-4507D67ED4B5}"/>
               </a:ext>
             </a:extLst>
           </p:cNvPr>
@@ -2666,7 +2669,7 @@
           <p:cNvPr id="5" name="Date Placeholder 4">
             <a:extLst>
               <a:ext uri="{FF2B5EF4-FFF2-40B4-BE49-F238E27FC236}">
-                <a16:creationId xmlns:a16="http://schemas.microsoft.com/office/drawing/2014/main" id="{B94D56AF-89C2-2EF7-83C7-BBD356A07069}"/>
+                <a16:creationId xmlns:a16="http://schemas.microsoft.com/office/drawing/2014/main" id="{6B73F919-14F7-92C7-7204-C630D5A30287}"/>
               </a:ext>
             </a:extLst>
           </p:cNvPr>
@@ -2682,7 +2685,7 @@
           <a:bodyPr/>
           <a:lstStyle/>
           <a:p>
-            <a:fld id="{1E118A51-EE89-48AC-8F6F-489F47810366}" type="datetimeFigureOut">
+            <a:fld id="{8EE5A4CA-B9F3-4D89-87D4-B72A81B20F9F}" type="datetimeFigureOut">
               <a:rPr lang="en-IN" smtClean="0"/>
               <a:t>15-02-2026</a:t>
             </a:fld>
@@ -2695,7 +2698,7 @@
           <p:cNvPr id="6" name="Footer Placeholder 5">
             <a:extLst>
               <a:ext uri="{FF2B5EF4-FFF2-40B4-BE49-F238E27FC236}">
-                <a16:creationId xmlns:a16="http://schemas.microsoft.com/office/drawing/2014/main" id="{3F22DAF5-66BE-5C8A-82D6-6F7FCE9B428F}"/>
+                <a16:creationId xmlns:a16="http://schemas.microsoft.com/office/drawing/2014/main" id="{76F807B7-0D2C-0D9C-4F3C-9A7C2E6EDB19}"/>
               </a:ext>
             </a:extLst>
           </p:cNvPr>
@@ -2720,7 +2723,7 @@
           <p:cNvPr id="7" name="Slide Number Placeholder 6">
             <a:extLst>
               <a:ext uri="{FF2B5EF4-FFF2-40B4-BE49-F238E27FC236}">
-                <a16:creationId xmlns:a16="http://schemas.microsoft.com/office/drawing/2014/main" id="{24D59200-E319-DFC7-2369-DFFAE22DF2D8}"/>
+                <a16:creationId xmlns:a16="http://schemas.microsoft.com/office/drawing/2014/main" id="{EEF84802-54FD-8BD0-97E2-4ECD4C97F8A0}"/>
               </a:ext>
             </a:extLst>
           </p:cNvPr>
@@ -2736,7 +2739,7 @@
           <a:bodyPr/>
           <a:lstStyle/>
           <a:p>
-            <a:fld id="{E8A1261C-6C67-4BBA-9A7E-11C1D1AF3426}" type="slidenum">
+            <a:fld id="{E5B29050-0639-4394-823C-6C6B23EFD60F}" type="slidenum">
               <a:rPr lang="en-IN" smtClean="0"/>
               <a:t>‹#›</a:t>
             </a:fld>
@@ -2747,7 +2750,7 @@
     </p:spTree>
     <p:extLst>
       <p:ext uri="{BB962C8B-B14F-4D97-AF65-F5344CB8AC3E}">
-        <p14:creationId xmlns:p14="http://schemas.microsoft.com/office/powerpoint/2010/main" val="3402300841"/>
+        <p14:creationId xmlns:p14="http://schemas.microsoft.com/office/powerpoint/2010/main" val="4131779733"/>
       </p:ext>
     </p:extLst>
   </p:cSld>
@@ -2784,7 +2787,7 @@
           <p:cNvPr id="2" name="Title Placeholder 1">
             <a:extLst>
               <a:ext uri="{FF2B5EF4-FFF2-40B4-BE49-F238E27FC236}">
-                <a16:creationId xmlns:a16="http://schemas.microsoft.com/office/drawing/2014/main" id="{7575D962-E0B3-9759-64B9-5BBBB9D51F0D}"/>
+                <a16:creationId xmlns:a16="http://schemas.microsoft.com/office/drawing/2014/main" id="{510DD042-F6F4-A868-6AD4-C08988916A7B}"/>
               </a:ext>
             </a:extLst>
           </p:cNvPr>
@@ -2823,7 +2826,7 @@
           <p:cNvPr id="3" name="Text Placeholder 2">
             <a:extLst>
               <a:ext uri="{FF2B5EF4-FFF2-40B4-BE49-F238E27FC236}">
-                <a16:creationId xmlns:a16="http://schemas.microsoft.com/office/drawing/2014/main" id="{2ADA26EF-7E94-9272-505A-FA17F011EB6A}"/>
+                <a16:creationId xmlns:a16="http://schemas.microsoft.com/office/drawing/2014/main" id="{703AE1DB-FED7-4DD9-943F-31330DCACCEA}"/>
               </a:ext>
             </a:extLst>
           </p:cNvPr>
@@ -2891,7 +2894,7 @@
           <p:cNvPr id="4" name="Date Placeholder 3">
             <a:extLst>
               <a:ext uri="{FF2B5EF4-FFF2-40B4-BE49-F238E27FC236}">
-                <a16:creationId xmlns:a16="http://schemas.microsoft.com/office/drawing/2014/main" id="{80024BCB-A1E5-69C7-B1E7-80B84FF6ED7D}"/>
+                <a16:creationId xmlns:a16="http://schemas.microsoft.com/office/drawing/2014/main" id="{94FAE919-541A-BFA3-7BCB-5E0077764D48}"/>
               </a:ext>
             </a:extLst>
           </p:cNvPr>
@@ -2925,7 +2928,7 @@
             </a:lvl1pPr>
           </a:lstStyle>
           <a:p>
-            <a:fld id="{1E118A51-EE89-48AC-8F6F-489F47810366}" type="datetimeFigureOut">
+            <a:fld id="{8EE5A4CA-B9F3-4D89-87D4-B72A81B20F9F}" type="datetimeFigureOut">
               <a:rPr lang="en-IN" smtClean="0"/>
               <a:t>15-02-2026</a:t>
             </a:fld>
@@ -2938,7 +2941,7 @@
           <p:cNvPr id="5" name="Footer Placeholder 4">
             <a:extLst>
               <a:ext uri="{FF2B5EF4-FFF2-40B4-BE49-F238E27FC236}">
-                <a16:creationId xmlns:a16="http://schemas.microsoft.com/office/drawing/2014/main" id="{9E346573-3E47-D877-DD99-63A9493F3057}"/>
+                <a16:creationId xmlns:a16="http://schemas.microsoft.com/office/drawing/2014/main" id="{E41E044B-D054-5658-9E5D-264CEA50A547}"/>
               </a:ext>
             </a:extLst>
           </p:cNvPr>
@@ -2981,7 +2984,7 @@
           <p:cNvPr id="6" name="Slide Number Placeholder 5">
             <a:extLst>
               <a:ext uri="{FF2B5EF4-FFF2-40B4-BE49-F238E27FC236}">
-                <a16:creationId xmlns:a16="http://schemas.microsoft.com/office/drawing/2014/main" id="{B299E502-496D-0182-F26F-CF2F636976EE}"/>
+                <a16:creationId xmlns:a16="http://schemas.microsoft.com/office/drawing/2014/main" id="{D414359C-E646-61E3-8F8C-128E13DAEE15}"/>
               </a:ext>
             </a:extLst>
           </p:cNvPr>
@@ -3015,7 +3018,7 @@
             </a:lvl1pPr>
           </a:lstStyle>
           <a:p>
-            <a:fld id="{E8A1261C-6C67-4BBA-9A7E-11C1D1AF3426}" type="slidenum">
+            <a:fld id="{E5B29050-0639-4394-823C-6C6B23EFD60F}" type="slidenum">
               <a:rPr lang="en-IN" smtClean="0"/>
               <a:t>‹#›</a:t>
             </a:fld>
@@ -3026,7 +3029,7 @@
     </p:spTree>
     <p:extLst>
       <p:ext uri="{BB962C8B-B14F-4D97-AF65-F5344CB8AC3E}">
-        <p14:creationId xmlns:p14="http://schemas.microsoft.com/office/powerpoint/2010/main" val="1445163519"/>
+        <p14:creationId xmlns:p14="http://schemas.microsoft.com/office/powerpoint/2010/main" val="3628942551"/>
       </p:ext>
     </p:extLst>
   </p:cSld>
@@ -3327,6 +3330,89 @@
 </p:sldMaster>
 </file>
 
+<file path=ppt/slides/slide1.xml><?xml version="1.0" encoding="utf-8"?>
+<p:sld xmlns:a="http://schemas.openxmlformats.org/drawingml/2006/main" xmlns:r="http://schemas.openxmlformats.org/officeDocument/2006/relationships" xmlns:p="http://schemas.openxmlformats.org/presentationml/2006/main">
+  <p:cSld>
+    <p:spTree>
+      <p:nvGrpSpPr>
+        <p:cNvPr id="1" name=""/>
+        <p:cNvGrpSpPr/>
+        <p:nvPr/>
+      </p:nvGrpSpPr>
+      <p:grpSpPr>
+        <a:xfrm>
+          <a:off x="0" y="0"/>
+          <a:ext cx="0" cy="0"/>
+          <a:chOff x="0" y="0"/>
+          <a:chExt cx="0" cy="0"/>
+        </a:xfrm>
+      </p:grpSpPr>
+      <p:sp>
+        <p:nvSpPr>
+          <p:cNvPr id="2" name="Title 1">
+            <a:extLst>
+              <a:ext uri="{FF2B5EF4-FFF2-40B4-BE49-F238E27FC236}">
+                <a16:creationId xmlns:a16="http://schemas.microsoft.com/office/drawing/2014/main" id="{E88363E7-3D66-8A14-7ADB-E7FA4018426B}"/>
+              </a:ext>
+            </a:extLst>
+          </p:cNvPr>
+          <p:cNvSpPr>
+            <a:spLocks noGrp="1"/>
+          </p:cNvSpPr>
+          <p:nvPr>
+            <p:ph type="ctrTitle"/>
+          </p:nvPr>
+        </p:nvSpPr>
+        <p:spPr/>
+        <p:txBody>
+          <a:bodyPr/>
+          <a:lstStyle/>
+          <a:p>
+            <a:r>
+              <a:rPr lang="en-IN"/>
+              <a:t>TEST</a:t>
+            </a:r>
+          </a:p>
+        </p:txBody>
+      </p:sp>
+      <p:sp>
+        <p:nvSpPr>
+          <p:cNvPr id="3" name="Subtitle 2">
+            <a:extLst>
+              <a:ext uri="{FF2B5EF4-FFF2-40B4-BE49-F238E27FC236}">
+                <a16:creationId xmlns:a16="http://schemas.microsoft.com/office/drawing/2014/main" id="{B4AB3EFB-D149-E10B-C1F8-F0DE427A5BFD}"/>
+              </a:ext>
+            </a:extLst>
+          </p:cNvPr>
+          <p:cNvSpPr>
+            <a:spLocks noGrp="1"/>
+          </p:cNvSpPr>
+          <p:nvPr>
+            <p:ph type="subTitle" idx="1"/>
+          </p:nvPr>
+        </p:nvSpPr>
+        <p:spPr/>
+        <p:txBody>
+          <a:bodyPr/>
+          <a:lstStyle/>
+          <a:p>
+            <a:endParaRPr lang="en-IN"/>
+          </a:p>
+        </p:txBody>
+      </p:sp>
+    </p:spTree>
+    <p:extLst>
+      <p:ext uri="{BB962C8B-B14F-4D97-AF65-F5344CB8AC3E}">
+        <p14:creationId xmlns:p14="http://schemas.microsoft.com/office/powerpoint/2010/main" val="4230660339"/>
+      </p:ext>
+    </p:extLst>
+  </p:cSld>
+  <p:clrMapOvr>
+    <a:masterClrMapping/>
+  </p:clrMapOvr>
+</p:sld>
+</file>
+
 <file path=ppt/theme/theme1.xml><?xml version="1.0" encoding="utf-8"?>
 <a:theme xmlns:a="http://schemas.openxmlformats.org/drawingml/2006/main" name="Office Theme">
   <a:themeElements>
